--- a/Topological_Sort.pptx
+++ b/Topological_Sort.pptx
@@ -1102,7 +1102,7 @@
           </a:ln>
           <a:extLst>
             <a:ext uri="{C572A759-6A51-4108-AA02-DFA0A04FC94B}">
-              <ma14:wrappingTextBoxFlag xmlns:ma14="http://schemas.microsoft.com/office/mac/drawingml/2011/main" xmlns="" val="1"/>
+              <ma14:wrappingTextBoxFlag xmlns="" xmlns:ma14="http://schemas.microsoft.com/office/mac/drawingml/2011/main" val="1"/>
             </a:ext>
           </a:extLst>
         </p:spPr>
@@ -1141,7 +1141,7 @@
           </a:ln>
           <a:extLst>
             <a:ext uri="{C572A759-6A51-4108-AA02-DFA0A04FC94B}">
-              <ma14:wrappingTextBoxFlag xmlns:ma14="http://schemas.microsoft.com/office/mac/drawingml/2011/main" xmlns="" val="1"/>
+              <ma14:wrappingTextBoxFlag xmlns="" xmlns:ma14="http://schemas.microsoft.com/office/mac/drawingml/2011/main" val="1"/>
             </a:ext>
           </a:extLst>
         </p:spPr>
@@ -2132,7 +2132,7 @@
           </a:ln>
           <a:extLst>
             <a:ext uri="{C572A759-6A51-4108-AA02-DFA0A04FC94B}">
-              <ma14:wrappingTextBoxFlag xmlns:ma14="http://schemas.microsoft.com/office/mac/drawingml/2011/main" xmlns="" val="1"/>
+              <ma14:wrappingTextBoxFlag xmlns="" xmlns:ma14="http://schemas.microsoft.com/office/mac/drawingml/2011/main" val="1"/>
             </a:ext>
           </a:extLst>
         </p:spPr>
@@ -2186,7 +2186,7 @@
           </a:ln>
           <a:extLst>
             <a:ext uri="{C572A759-6A51-4108-AA02-DFA0A04FC94B}">
-              <ma14:wrappingTextBoxFlag xmlns:ma14="http://schemas.microsoft.com/office/mac/drawingml/2011/main" xmlns="" val="1"/>
+              <ma14:wrappingTextBoxFlag xmlns="" xmlns:ma14="http://schemas.microsoft.com/office/mac/drawingml/2011/main" val="1"/>
             </a:ext>
           </a:extLst>
         </p:spPr>
@@ -2500,7 +2500,7 @@
           </a:ln>
           <a:extLst>
             <a:ext uri="{C572A759-6A51-4108-AA02-DFA0A04FC94B}">
-              <ma14:wrappingTextBoxFlag xmlns:ma14="http://schemas.microsoft.com/office/mac/drawingml/2011/main" xmlns="" val="1"/>
+              <ma14:wrappingTextBoxFlag xmlns="" xmlns:ma14="http://schemas.microsoft.com/office/mac/drawingml/2011/main" val="1"/>
             </a:ext>
           </a:extLst>
         </p:spPr>
@@ -2831,7 +2831,7 @@
           </a:ln>
           <a:extLst>
             <a:ext uri="{C572A759-6A51-4108-AA02-DFA0A04FC94B}">
-              <ma14:wrappingTextBoxFlag xmlns:ma14="http://schemas.microsoft.com/office/mac/drawingml/2011/main" xmlns="" val="1"/>
+              <ma14:wrappingTextBoxFlag xmlns="" xmlns:ma14="http://schemas.microsoft.com/office/mac/drawingml/2011/main" val="1"/>
             </a:ext>
           </a:extLst>
         </p:spPr>
@@ -8373,7 +8373,7 @@
       </p:pic>
       <p:grpSp>
         <p:nvGrpSpPr>
-          <p:cNvPr id="27" name="Grupo 26"/>
+          <p:cNvPr id="5" name="Grupo 4"/>
           <p:cNvGrpSpPr/>
           <p:nvPr/>
         </p:nvGrpSpPr>
@@ -8381,7 +8381,7 @@
           <a:xfrm>
             <a:off x="7431928" y="2414431"/>
             <a:ext cx="5350202" cy="5684848"/>
-            <a:chOff x="4105067" y="1027133"/>
+            <a:chOff x="7431928" y="2414431"/>
             <a:chExt cx="5350202" cy="5684848"/>
           </a:xfrm>
         </p:grpSpPr>
@@ -8393,7 +8393,7 @@
           </p:nvSpPr>
           <p:spPr>
             <a:xfrm>
-              <a:off x="4747096" y="2482006"/>
+              <a:off x="8073957" y="3869304"/>
               <a:ext cx="544750" cy="467473"/>
             </a:xfrm>
             <a:prstGeom prst="rect">
@@ -8466,7 +8466,7 @@
           </p:nvSpPr>
           <p:spPr>
             <a:xfrm>
-              <a:off x="4747096" y="2931146"/>
+              <a:off x="8073957" y="4318444"/>
               <a:ext cx="544750" cy="467473"/>
             </a:xfrm>
             <a:prstGeom prst="rect">
@@ -8539,7 +8539,7 @@
           </p:nvSpPr>
           <p:spPr>
             <a:xfrm>
-              <a:off x="4747096" y="3380287"/>
+              <a:off x="8073957" y="4767585"/>
               <a:ext cx="544750" cy="467473"/>
             </a:xfrm>
             <a:prstGeom prst="rect">
@@ -8612,7 +8612,7 @@
           </p:nvSpPr>
           <p:spPr>
             <a:xfrm>
-              <a:off x="4747095" y="4296900"/>
+              <a:off x="8073956" y="5684198"/>
               <a:ext cx="544750" cy="467473"/>
             </a:xfrm>
             <a:prstGeom prst="rect">
@@ -8685,7 +8685,7 @@
           </p:nvSpPr>
           <p:spPr>
             <a:xfrm>
-              <a:off x="4747093" y="6166791"/>
+              <a:off x="8073954" y="7554089"/>
               <a:ext cx="544750" cy="467473"/>
             </a:xfrm>
             <a:prstGeom prst="rect">
@@ -8758,7 +8758,7 @@
           </p:nvSpPr>
           <p:spPr>
             <a:xfrm>
-              <a:off x="4747095" y="3829427"/>
+              <a:off x="8073956" y="5216725"/>
               <a:ext cx="544750" cy="467473"/>
             </a:xfrm>
             <a:prstGeom prst="rect">
@@ -8831,7 +8831,7 @@
           </p:nvSpPr>
           <p:spPr>
             <a:xfrm>
-              <a:off x="4747094" y="2020516"/>
+              <a:off x="8073955" y="3407814"/>
               <a:ext cx="544750" cy="467473"/>
             </a:xfrm>
             <a:prstGeom prst="rect">
@@ -8904,7 +8904,7 @@
           </p:nvSpPr>
           <p:spPr>
             <a:xfrm>
-              <a:off x="4747094" y="1571374"/>
+              <a:off x="8073955" y="2958672"/>
               <a:ext cx="544750" cy="467473"/>
             </a:xfrm>
             <a:prstGeom prst="rect">
@@ -8977,7 +8977,7 @@
           </p:nvSpPr>
           <p:spPr>
             <a:xfrm>
-              <a:off x="4747094" y="5693336"/>
+              <a:off x="8073955" y="7080634"/>
               <a:ext cx="544750" cy="467473"/>
             </a:xfrm>
             <a:prstGeom prst="rect">
@@ -9050,7 +9050,7 @@
           </p:nvSpPr>
           <p:spPr>
             <a:xfrm>
-              <a:off x="4747095" y="4764373"/>
+              <a:off x="8073956" y="6151671"/>
               <a:ext cx="544750" cy="467473"/>
             </a:xfrm>
             <a:prstGeom prst="rect">
@@ -9123,7 +9123,7 @@
           </p:nvSpPr>
           <p:spPr>
             <a:xfrm>
-              <a:off x="4747095" y="5231845"/>
+              <a:off x="8073956" y="6619143"/>
               <a:ext cx="544750" cy="467473"/>
             </a:xfrm>
             <a:prstGeom prst="rect">
@@ -9196,7 +9196,7 @@
           </p:nvSpPr>
           <p:spPr>
             <a:xfrm>
-              <a:off x="5658253" y="2482006"/>
+              <a:off x="8985114" y="3869304"/>
               <a:ext cx="544750" cy="467473"/>
             </a:xfrm>
             <a:prstGeom prst="rect">
@@ -9240,6 +9240,27 @@
                 <a:buNone/>
                 <a:tabLst/>
               </a:pPr>
+              <a:r>
+                <a:rPr kumimoji="0" lang="pt-BR" sz="2400" i="0" u="none" strike="noStrike" normalizeH="0" baseline="0" dirty="0" smtClean="0">
+                  <a:ln w="0"/>
+                  <a:solidFill>
+                    <a:schemeClr val="tx1"/>
+                  </a:solidFill>
+                  <a:effectLst>
+                    <a:outerShdw blurRad="38100" dist="19050" dir="2700000" algn="tl" rotWithShape="0">
+                      <a:schemeClr val="dk1">
+                        <a:alpha val="40000"/>
+                      </a:schemeClr>
+                    </a:outerShdw>
+                  </a:effectLst>
+                  <a:uFillTx/>
+                  <a:latin typeface="+mn-lt"/>
+                  <a:ea typeface="+mn-ea"/>
+                  <a:cs typeface="+mn-cs"/>
+                  <a:sym typeface="Helvetica Light"/>
+                </a:rPr>
+                <a:t>0</a:t>
+              </a:r>
               <a:endParaRPr kumimoji="0" lang="pt-BR" sz="2400" i="0" u="none" strike="noStrike" normalizeH="0" baseline="0" dirty="0">
                 <a:ln w="0"/>
                 <a:solidFill>
@@ -9269,7 +9290,7 @@
           </p:nvSpPr>
           <p:spPr>
             <a:xfrm>
-              <a:off x="5658253" y="2931146"/>
+              <a:off x="8985114" y="4318444"/>
               <a:ext cx="544750" cy="467473"/>
             </a:xfrm>
             <a:prstGeom prst="rect">
@@ -9313,6 +9334,27 @@
                 <a:buNone/>
                 <a:tabLst/>
               </a:pPr>
+              <a:r>
+                <a:rPr kumimoji="0" lang="pt-BR" sz="2400" i="0" u="none" strike="noStrike" normalizeH="0" baseline="0" dirty="0" smtClean="0">
+                  <a:ln w="0"/>
+                  <a:solidFill>
+                    <a:schemeClr val="tx1"/>
+                  </a:solidFill>
+                  <a:effectLst>
+                    <a:outerShdw blurRad="38100" dist="19050" dir="2700000" algn="tl" rotWithShape="0">
+                      <a:schemeClr val="dk1">
+                        <a:alpha val="40000"/>
+                      </a:schemeClr>
+                    </a:outerShdw>
+                  </a:effectLst>
+                  <a:uFillTx/>
+                  <a:latin typeface="+mn-lt"/>
+                  <a:ea typeface="+mn-ea"/>
+                  <a:cs typeface="+mn-cs"/>
+                  <a:sym typeface="Helvetica Light"/>
+                </a:rPr>
+                <a:t>0</a:t>
+              </a:r>
               <a:endParaRPr kumimoji="0" lang="pt-BR" sz="2400" i="0" u="none" strike="noStrike" normalizeH="0" baseline="0" dirty="0">
                 <a:ln w="0"/>
                 <a:solidFill>
@@ -9342,7 +9384,7 @@
           </p:nvSpPr>
           <p:spPr>
             <a:xfrm>
-              <a:off x="5658253" y="3380287"/>
+              <a:off x="8985114" y="4767585"/>
               <a:ext cx="544750" cy="467473"/>
             </a:xfrm>
             <a:prstGeom prst="rect">
@@ -9386,6 +9428,27 @@
                 <a:buNone/>
                 <a:tabLst/>
               </a:pPr>
+              <a:r>
+                <a:rPr kumimoji="0" lang="pt-BR" sz="2400" i="0" u="none" strike="noStrike" normalizeH="0" baseline="0" dirty="0" smtClean="0">
+                  <a:ln w="0"/>
+                  <a:solidFill>
+                    <a:schemeClr val="tx1"/>
+                  </a:solidFill>
+                  <a:effectLst>
+                    <a:outerShdw blurRad="38100" dist="19050" dir="2700000" algn="tl" rotWithShape="0">
+                      <a:schemeClr val="dk1">
+                        <a:alpha val="40000"/>
+                      </a:schemeClr>
+                    </a:outerShdw>
+                  </a:effectLst>
+                  <a:uFillTx/>
+                  <a:latin typeface="+mn-lt"/>
+                  <a:ea typeface="+mn-ea"/>
+                  <a:cs typeface="+mn-cs"/>
+                  <a:sym typeface="Helvetica Light"/>
+                </a:rPr>
+                <a:t>1</a:t>
+              </a:r>
               <a:endParaRPr kumimoji="0" lang="pt-BR" sz="2400" i="0" u="none" strike="noStrike" normalizeH="0" baseline="0" dirty="0">
                 <a:ln w="0"/>
                 <a:solidFill>
@@ -9415,7 +9478,7 @@
           </p:nvSpPr>
           <p:spPr>
             <a:xfrm>
-              <a:off x="5658252" y="4296900"/>
+              <a:off x="8985113" y="5684198"/>
               <a:ext cx="544750" cy="467473"/>
             </a:xfrm>
             <a:prstGeom prst="rect">
@@ -9459,6 +9522,27 @@
                 <a:buNone/>
                 <a:tabLst/>
               </a:pPr>
+              <a:r>
+                <a:rPr kumimoji="0" lang="pt-BR" sz="2400" i="0" u="none" strike="noStrike" normalizeH="0" baseline="0" dirty="0" smtClean="0">
+                  <a:ln w="0"/>
+                  <a:solidFill>
+                    <a:schemeClr val="tx1"/>
+                  </a:solidFill>
+                  <a:effectLst>
+                    <a:outerShdw blurRad="38100" dist="19050" dir="2700000" algn="tl" rotWithShape="0">
+                      <a:schemeClr val="dk1">
+                        <a:alpha val="40000"/>
+                      </a:schemeClr>
+                    </a:outerShdw>
+                  </a:effectLst>
+                  <a:uFillTx/>
+                  <a:latin typeface="+mn-lt"/>
+                  <a:ea typeface="+mn-ea"/>
+                  <a:cs typeface="+mn-cs"/>
+                  <a:sym typeface="Helvetica Light"/>
+                </a:rPr>
+                <a:t>1</a:t>
+              </a:r>
               <a:endParaRPr kumimoji="0" lang="pt-BR" sz="2400" i="0" u="none" strike="noStrike" normalizeH="0" baseline="0" dirty="0">
                 <a:ln w="0"/>
                 <a:solidFill>
@@ -9488,7 +9572,7 @@
           </p:nvSpPr>
           <p:spPr>
             <a:xfrm>
-              <a:off x="5658250" y="6166791"/>
+              <a:off x="8985111" y="7554089"/>
               <a:ext cx="544750" cy="467473"/>
             </a:xfrm>
             <a:prstGeom prst="rect">
@@ -9532,6 +9616,27 @@
                 <a:buNone/>
                 <a:tabLst/>
               </a:pPr>
+              <a:r>
+                <a:rPr kumimoji="0" lang="pt-BR" sz="2400" i="0" u="none" strike="noStrike" normalizeH="0" baseline="0" dirty="0" smtClean="0">
+                  <a:ln w="0"/>
+                  <a:solidFill>
+                    <a:schemeClr val="tx1"/>
+                  </a:solidFill>
+                  <a:effectLst>
+                    <a:outerShdw blurRad="38100" dist="19050" dir="2700000" algn="tl" rotWithShape="0">
+                      <a:schemeClr val="dk1">
+                        <a:alpha val="40000"/>
+                      </a:schemeClr>
+                    </a:outerShdw>
+                  </a:effectLst>
+                  <a:uFillTx/>
+                  <a:latin typeface="+mn-lt"/>
+                  <a:ea typeface="+mn-ea"/>
+                  <a:cs typeface="+mn-cs"/>
+                  <a:sym typeface="Helvetica Light"/>
+                </a:rPr>
+                <a:t>1</a:t>
+              </a:r>
               <a:endParaRPr kumimoji="0" lang="pt-BR" sz="2400" i="0" u="none" strike="noStrike" normalizeH="0" baseline="0" dirty="0">
                 <a:ln w="0"/>
                 <a:solidFill>
@@ -9561,7 +9666,7 @@
           </p:nvSpPr>
           <p:spPr>
             <a:xfrm>
-              <a:off x="5658252" y="3829427"/>
+              <a:off x="8985113" y="5216725"/>
               <a:ext cx="544750" cy="467473"/>
             </a:xfrm>
             <a:prstGeom prst="rect">
@@ -9605,6 +9710,27 @@
                 <a:buNone/>
                 <a:tabLst/>
               </a:pPr>
+              <a:r>
+                <a:rPr kumimoji="0" lang="pt-BR" sz="2400" i="0" u="none" strike="noStrike" normalizeH="0" baseline="0" dirty="0" smtClean="0">
+                  <a:ln w="0"/>
+                  <a:solidFill>
+                    <a:schemeClr val="tx1"/>
+                  </a:solidFill>
+                  <a:effectLst>
+                    <a:outerShdw blurRad="38100" dist="19050" dir="2700000" algn="tl" rotWithShape="0">
+                      <a:schemeClr val="dk1">
+                        <a:alpha val="40000"/>
+                      </a:schemeClr>
+                    </a:outerShdw>
+                  </a:effectLst>
+                  <a:uFillTx/>
+                  <a:latin typeface="+mn-lt"/>
+                  <a:ea typeface="+mn-ea"/>
+                  <a:cs typeface="+mn-cs"/>
+                  <a:sym typeface="Helvetica Light"/>
+                </a:rPr>
+                <a:t>1</a:t>
+              </a:r>
               <a:endParaRPr kumimoji="0" lang="pt-BR" sz="2400" i="0" u="none" strike="noStrike" normalizeH="0" baseline="0" dirty="0">
                 <a:ln w="0"/>
                 <a:solidFill>
@@ -9634,7 +9760,7 @@
           </p:nvSpPr>
           <p:spPr>
             <a:xfrm>
-              <a:off x="5658251" y="2020516"/>
+              <a:off x="8985112" y="3407814"/>
               <a:ext cx="544750" cy="467473"/>
             </a:xfrm>
             <a:prstGeom prst="rect">
@@ -9678,6 +9804,27 @@
                 <a:buNone/>
                 <a:tabLst/>
               </a:pPr>
+              <a:r>
+                <a:rPr kumimoji="0" lang="pt-BR" sz="2400" i="0" u="none" strike="noStrike" normalizeH="0" baseline="0" dirty="0" smtClean="0">
+                  <a:ln w="0"/>
+                  <a:solidFill>
+                    <a:schemeClr val="tx1"/>
+                  </a:solidFill>
+                  <a:effectLst>
+                    <a:outerShdw blurRad="38100" dist="19050" dir="2700000" algn="tl" rotWithShape="0">
+                      <a:schemeClr val="dk1">
+                        <a:alpha val="40000"/>
+                      </a:schemeClr>
+                    </a:outerShdw>
+                  </a:effectLst>
+                  <a:uFillTx/>
+                  <a:latin typeface="+mn-lt"/>
+                  <a:ea typeface="+mn-ea"/>
+                  <a:cs typeface="+mn-cs"/>
+                  <a:sym typeface="Helvetica Light"/>
+                </a:rPr>
+                <a:t>2</a:t>
+              </a:r>
               <a:endParaRPr kumimoji="0" lang="pt-BR" sz="2400" i="0" u="none" strike="noStrike" normalizeH="0" baseline="0" dirty="0">
                 <a:ln w="0"/>
                 <a:solidFill>
@@ -9707,7 +9854,7 @@
           </p:nvSpPr>
           <p:spPr>
             <a:xfrm>
-              <a:off x="5658251" y="1571374"/>
+              <a:off x="8985112" y="2958672"/>
               <a:ext cx="544750" cy="467473"/>
             </a:xfrm>
             <a:prstGeom prst="rect">
@@ -9751,6 +9898,27 @@
                 <a:buNone/>
                 <a:tabLst/>
               </a:pPr>
+              <a:r>
+                <a:rPr kumimoji="0" lang="pt-BR" sz="2400" i="0" u="none" strike="noStrike" normalizeH="0" baseline="0" dirty="0" smtClean="0">
+                  <a:ln w="0"/>
+                  <a:solidFill>
+                    <a:schemeClr val="tx1"/>
+                  </a:solidFill>
+                  <a:effectLst>
+                    <a:outerShdw blurRad="38100" dist="19050" dir="2700000" algn="tl" rotWithShape="0">
+                      <a:schemeClr val="dk1">
+                        <a:alpha val="40000"/>
+                      </a:schemeClr>
+                    </a:outerShdw>
+                  </a:effectLst>
+                  <a:uFillTx/>
+                  <a:latin typeface="+mn-lt"/>
+                  <a:ea typeface="+mn-ea"/>
+                  <a:cs typeface="+mn-cs"/>
+                  <a:sym typeface="Helvetica Light"/>
+                </a:rPr>
+                <a:t>1</a:t>
+              </a:r>
               <a:endParaRPr kumimoji="0" lang="pt-BR" sz="2400" i="0" u="none" strike="noStrike" normalizeH="0" baseline="0" dirty="0">
                 <a:ln w="0"/>
                 <a:solidFill>
@@ -9780,7 +9948,7 @@
           </p:nvSpPr>
           <p:spPr>
             <a:xfrm>
-              <a:off x="5658251" y="5693336"/>
+              <a:off x="8985112" y="7080634"/>
               <a:ext cx="544750" cy="467473"/>
             </a:xfrm>
             <a:prstGeom prst="rect">
@@ -9824,6 +9992,27 @@
                 <a:buNone/>
                 <a:tabLst/>
               </a:pPr>
+              <a:r>
+                <a:rPr kumimoji="0" lang="pt-BR" sz="2400" i="0" u="none" strike="noStrike" normalizeH="0" baseline="0" dirty="0" smtClean="0">
+                  <a:ln w="0"/>
+                  <a:solidFill>
+                    <a:schemeClr val="tx1"/>
+                  </a:solidFill>
+                  <a:effectLst>
+                    <a:outerShdw blurRad="38100" dist="19050" dir="2700000" algn="tl" rotWithShape="0">
+                      <a:schemeClr val="dk1">
+                        <a:alpha val="40000"/>
+                      </a:schemeClr>
+                    </a:outerShdw>
+                  </a:effectLst>
+                  <a:uFillTx/>
+                  <a:latin typeface="+mn-lt"/>
+                  <a:ea typeface="+mn-ea"/>
+                  <a:cs typeface="+mn-cs"/>
+                  <a:sym typeface="Helvetica Light"/>
+                </a:rPr>
+                <a:t>1</a:t>
+              </a:r>
               <a:endParaRPr kumimoji="0" lang="pt-BR" sz="2400" i="0" u="none" strike="noStrike" normalizeH="0" baseline="0" dirty="0">
                 <a:ln w="0"/>
                 <a:solidFill>
@@ -9853,7 +10042,7 @@
           </p:nvSpPr>
           <p:spPr>
             <a:xfrm>
-              <a:off x="5658252" y="4764373"/>
+              <a:off x="8985113" y="6151671"/>
               <a:ext cx="544750" cy="467473"/>
             </a:xfrm>
             <a:prstGeom prst="rect">
@@ -9897,6 +10086,27 @@
                 <a:buNone/>
                 <a:tabLst/>
               </a:pPr>
+              <a:r>
+                <a:rPr kumimoji="0" lang="pt-BR" sz="2400" i="0" u="none" strike="noStrike" normalizeH="0" baseline="0" dirty="0" smtClean="0">
+                  <a:ln w="0"/>
+                  <a:solidFill>
+                    <a:schemeClr val="tx1"/>
+                  </a:solidFill>
+                  <a:effectLst>
+                    <a:outerShdw blurRad="38100" dist="19050" dir="2700000" algn="tl" rotWithShape="0">
+                      <a:schemeClr val="dk1">
+                        <a:alpha val="40000"/>
+                      </a:schemeClr>
+                    </a:outerShdw>
+                  </a:effectLst>
+                  <a:uFillTx/>
+                  <a:latin typeface="+mn-lt"/>
+                  <a:ea typeface="+mn-ea"/>
+                  <a:cs typeface="+mn-cs"/>
+                  <a:sym typeface="Helvetica Light"/>
+                </a:rPr>
+                <a:t>1</a:t>
+              </a:r>
               <a:endParaRPr kumimoji="0" lang="pt-BR" sz="2400" i="0" u="none" strike="noStrike" normalizeH="0" baseline="0" dirty="0">
                 <a:ln w="0"/>
                 <a:solidFill>
@@ -9926,7 +10136,7 @@
           </p:nvSpPr>
           <p:spPr>
             <a:xfrm>
-              <a:off x="5658252" y="5231845"/>
+              <a:off x="8985113" y="6619143"/>
               <a:ext cx="544750" cy="467473"/>
             </a:xfrm>
             <a:prstGeom prst="rect">
@@ -9970,6 +10180,27 @@
                 <a:buNone/>
                 <a:tabLst/>
               </a:pPr>
+              <a:r>
+                <a:rPr kumimoji="0" lang="pt-BR" sz="2400" i="0" u="none" strike="noStrike" normalizeH="0" baseline="0" dirty="0" smtClean="0">
+                  <a:ln w="0"/>
+                  <a:solidFill>
+                    <a:schemeClr val="tx1"/>
+                  </a:solidFill>
+                  <a:effectLst>
+                    <a:outerShdw blurRad="38100" dist="19050" dir="2700000" algn="tl" rotWithShape="0">
+                      <a:schemeClr val="dk1">
+                        <a:alpha val="40000"/>
+                      </a:schemeClr>
+                    </a:outerShdw>
+                  </a:effectLst>
+                  <a:uFillTx/>
+                  <a:latin typeface="+mn-lt"/>
+                  <a:ea typeface="+mn-ea"/>
+                  <a:cs typeface="+mn-cs"/>
+                  <a:sym typeface="Helvetica Light"/>
+                </a:rPr>
+                <a:t>1</a:t>
+              </a:r>
               <a:endParaRPr kumimoji="0" lang="pt-BR" sz="2400" i="0" u="none" strike="noStrike" normalizeH="0" baseline="0" dirty="0">
                 <a:ln w="0"/>
                 <a:solidFill>
@@ -9999,7 +10230,7 @@
           </p:nvSpPr>
           <p:spPr>
             <a:xfrm>
-              <a:off x="5560974" y="1042473"/>
+              <a:off x="8887835" y="2429771"/>
               <a:ext cx="739302" cy="533479"/>
             </a:xfrm>
             <a:prstGeom prst="rect">
@@ -10076,7 +10307,7 @@
           </p:nvSpPr>
           <p:spPr>
             <a:xfrm>
-              <a:off x="4649817" y="1031913"/>
+              <a:off x="7976678" y="2419211"/>
               <a:ext cx="739302" cy="533479"/>
             </a:xfrm>
             <a:prstGeom prst="rect">
@@ -10166,7 +10397,7 @@
           </p:nvGrpSpPr>
           <p:grpSpPr>
             <a:xfrm>
-              <a:off x="6569405" y="1575952"/>
+              <a:off x="9896266" y="2963250"/>
               <a:ext cx="544753" cy="5062890"/>
               <a:chOff x="5914413" y="1571374"/>
               <a:chExt cx="661485" cy="7164064"/>
@@ -10984,7 +11215,7 @@
           </p:nvSpPr>
           <p:spPr>
             <a:xfrm>
-              <a:off x="6472131" y="1027133"/>
+              <a:off x="9798992" y="2414431"/>
               <a:ext cx="739302" cy="533479"/>
             </a:xfrm>
             <a:prstGeom prst="rect">
@@ -11061,7 +11292,7 @@
           </p:nvSpPr>
           <p:spPr>
             <a:xfrm>
-              <a:off x="4105067" y="1531076"/>
+              <a:off x="7431928" y="2918374"/>
               <a:ext cx="642025" cy="5180905"/>
             </a:xfrm>
             <a:prstGeom prst="rect">
@@ -11404,7 +11635,7 @@
           </p:nvSpPr>
           <p:spPr>
             <a:xfrm>
-              <a:off x="7752939" y="2482006"/>
+              <a:off x="11079800" y="3869304"/>
               <a:ext cx="544750" cy="467473"/>
             </a:xfrm>
             <a:prstGeom prst="rect">
@@ -11498,7 +11729,7 @@
           </p:nvSpPr>
           <p:spPr>
             <a:xfrm>
-              <a:off x="7752939" y="2931146"/>
+              <a:off x="11079800" y="4318444"/>
               <a:ext cx="544750" cy="467473"/>
             </a:xfrm>
             <a:prstGeom prst="rect">
@@ -11592,7 +11823,7 @@
           </p:nvSpPr>
           <p:spPr>
             <a:xfrm>
-              <a:off x="7752938" y="4296900"/>
+              <a:off x="11079799" y="5684198"/>
               <a:ext cx="544750" cy="467473"/>
             </a:xfrm>
             <a:prstGeom prst="rect">
@@ -11686,7 +11917,7 @@
           </p:nvSpPr>
           <p:spPr>
             <a:xfrm>
-              <a:off x="7752936" y="6166791"/>
+              <a:off x="11079797" y="7554089"/>
               <a:ext cx="544750" cy="467473"/>
             </a:xfrm>
             <a:prstGeom prst="rect">
@@ -11780,7 +12011,7 @@
           </p:nvSpPr>
           <p:spPr>
             <a:xfrm>
-              <a:off x="7752937" y="2020516"/>
+              <a:off x="11079798" y="3407814"/>
               <a:ext cx="544750" cy="467473"/>
             </a:xfrm>
             <a:prstGeom prst="rect">
@@ -11874,7 +12105,7 @@
           </p:nvSpPr>
           <p:spPr>
             <a:xfrm>
-              <a:off x="7752937" y="1571374"/>
+              <a:off x="11079798" y="2958672"/>
               <a:ext cx="544750" cy="467473"/>
             </a:xfrm>
             <a:prstGeom prst="rect">
@@ -11968,7 +12199,7 @@
           </p:nvSpPr>
           <p:spPr>
             <a:xfrm>
-              <a:off x="7752938" y="4764373"/>
+              <a:off x="11079799" y="6151671"/>
               <a:ext cx="544750" cy="467473"/>
             </a:xfrm>
             <a:prstGeom prst="rect">
@@ -12062,7 +12293,7 @@
           </p:nvSpPr>
           <p:spPr>
             <a:xfrm>
-              <a:off x="8910519" y="2484092"/>
+              <a:off x="12237380" y="3871390"/>
               <a:ext cx="544750" cy="467473"/>
             </a:xfrm>
             <a:prstGeom prst="rect">
@@ -12156,7 +12387,7 @@
           </p:nvSpPr>
           <p:spPr>
             <a:xfrm>
-              <a:off x="8910518" y="4298986"/>
+              <a:off x="12237379" y="5686284"/>
               <a:ext cx="544750" cy="467473"/>
             </a:xfrm>
             <a:prstGeom prst="rect">
@@ -12250,7 +12481,7 @@
           </p:nvSpPr>
           <p:spPr>
             <a:xfrm>
-              <a:off x="8910516" y="6168877"/>
+              <a:off x="12237377" y="7556175"/>
               <a:ext cx="544750" cy="467473"/>
             </a:xfrm>
             <a:prstGeom prst="rect">
@@ -12346,7 +12577,7 @@
           </p:nvCxnSpPr>
           <p:spPr>
             <a:xfrm flipV="1">
-              <a:off x="7114157" y="4063164"/>
+              <a:off x="10441018" y="5450462"/>
               <a:ext cx="638781" cy="4578"/>
             </a:xfrm>
             <a:prstGeom prst="straightConnector1">
@@ -12387,7 +12618,7 @@
           </p:nvCxnSpPr>
           <p:spPr>
             <a:xfrm flipV="1">
-              <a:off x="7114158" y="3614024"/>
+              <a:off x="10441019" y="5001322"/>
               <a:ext cx="638781" cy="4578"/>
             </a:xfrm>
             <a:prstGeom prst="straightConnector1">
@@ -12428,7 +12659,7 @@
           </p:nvCxnSpPr>
           <p:spPr>
             <a:xfrm flipV="1">
-              <a:off x="7114156" y="5927073"/>
+              <a:off x="10441017" y="7314371"/>
               <a:ext cx="638781" cy="4578"/>
             </a:xfrm>
             <a:prstGeom prst="straightConnector1">
@@ -12469,7 +12700,7 @@
           </p:nvCxnSpPr>
           <p:spPr>
             <a:xfrm flipV="1">
-              <a:off x="7114157" y="5465582"/>
+              <a:off x="10441018" y="6852880"/>
               <a:ext cx="638781" cy="4578"/>
             </a:xfrm>
             <a:prstGeom prst="straightConnector1">
@@ -12511,7 +12742,7 @@
           </p:nvCxnSpPr>
           <p:spPr>
             <a:xfrm flipV="1">
-              <a:off x="7114156" y="1805111"/>
+              <a:off x="10441017" y="3192409"/>
               <a:ext cx="638781" cy="4578"/>
             </a:xfrm>
             <a:prstGeom prst="straightConnector1">
@@ -12553,7 +12784,7 @@
           </p:nvCxnSpPr>
           <p:spPr>
             <a:xfrm flipV="1">
-              <a:off x="7114156" y="2254253"/>
+              <a:off x="10441017" y="3641551"/>
               <a:ext cx="638781" cy="4578"/>
             </a:xfrm>
             <a:prstGeom prst="straightConnector1">
@@ -12595,7 +12826,7 @@
           </p:nvCxnSpPr>
           <p:spPr>
             <a:xfrm flipV="1">
-              <a:off x="7114158" y="2715743"/>
+              <a:off x="10441019" y="4103041"/>
               <a:ext cx="638781" cy="4578"/>
             </a:xfrm>
             <a:prstGeom prst="straightConnector1">
@@ -12637,7 +12868,7 @@
           </p:nvCxnSpPr>
           <p:spPr>
             <a:xfrm>
-              <a:off x="8297689" y="2715743"/>
+              <a:off x="11624550" y="4103041"/>
               <a:ext cx="612830" cy="2086"/>
             </a:xfrm>
             <a:prstGeom prst="straightConnector1">
@@ -12679,7 +12910,7 @@
           </p:nvCxnSpPr>
           <p:spPr>
             <a:xfrm flipV="1">
-              <a:off x="7114158" y="3164883"/>
+              <a:off x="10441019" y="4552181"/>
               <a:ext cx="638781" cy="4578"/>
             </a:xfrm>
             <a:prstGeom prst="straightConnector1">
@@ -12721,7 +12952,7 @@
           </p:nvCxnSpPr>
           <p:spPr>
             <a:xfrm flipV="1">
-              <a:off x="7114157" y="4530637"/>
+              <a:off x="10441018" y="5917935"/>
               <a:ext cx="638781" cy="4578"/>
             </a:xfrm>
             <a:prstGeom prst="straightConnector1">
@@ -12763,7 +12994,7 @@
           </p:nvCxnSpPr>
           <p:spPr>
             <a:xfrm>
-              <a:off x="8297688" y="4530637"/>
+              <a:off x="11624549" y="5917935"/>
               <a:ext cx="612830" cy="2086"/>
             </a:xfrm>
             <a:prstGeom prst="straightConnector1">
@@ -12805,7 +13036,7 @@
           </p:nvCxnSpPr>
           <p:spPr>
             <a:xfrm flipV="1">
-              <a:off x="7114157" y="4998110"/>
+              <a:off x="10441018" y="6385408"/>
               <a:ext cx="638781" cy="4578"/>
             </a:xfrm>
             <a:prstGeom prst="straightConnector1">
@@ -12847,7 +13078,7 @@
           </p:nvCxnSpPr>
           <p:spPr>
             <a:xfrm flipV="1">
-              <a:off x="7114155" y="6400528"/>
+              <a:off x="10441016" y="7787826"/>
               <a:ext cx="638781" cy="4578"/>
             </a:xfrm>
             <a:prstGeom prst="straightConnector1">
@@ -12889,7 +13120,7 @@
           </p:nvCxnSpPr>
           <p:spPr>
             <a:xfrm>
-              <a:off x="8297686" y="6400528"/>
+              <a:off x="11624547" y="7787826"/>
               <a:ext cx="612830" cy="2086"/>
             </a:xfrm>
             <a:prstGeom prst="straightConnector1">
@@ -14547,15 +14778,7 @@
           <a:p>
             <a:r>
               <a:rPr lang="pt-BR" dirty="0" smtClean="0"/>
-              <a:t>Com a ordenação topológica, sabemos </a:t>
-            </a:r>
-            <a:r>
-              <a:rPr lang="pt-BR" dirty="0" smtClean="0"/>
-              <a:t>quais disciplinas devem ser cursadas antes de outras ou, por outro lado, dada uma determinada disciplina, quais são pr</a:t>
-            </a:r>
-            <a:r>
-              <a:rPr lang="pt-BR" dirty="0" smtClean="0"/>
-              <a:t>é-requisitos para esta.</a:t>
+              <a:t>Com a ordenação topológica, sabemos quais disciplinas devem ser cursadas antes de outras ou, por outro lado, dada uma determinada disciplina, quais são pré-requisitos para esta.</a:t>
             </a:r>
           </a:p>
           <a:p>
@@ -16073,7 +16296,7 @@
           </a:ln>
           <a:extLst>
             <a:ext uri="{C572A759-6A51-4108-AA02-DFA0A04FC94B}">
-              <ma14:wrappingTextBoxFlag xmlns:ma14="http://schemas.microsoft.com/office/mac/drawingml/2011/main" xmlns="" val="1"/>
+              <ma14:wrappingTextBoxFlag xmlns="" xmlns:ma14="http://schemas.microsoft.com/office/mac/drawingml/2011/main" val="1"/>
             </a:ext>
           </a:extLst>
         </p:spPr>
@@ -16161,7 +16384,7 @@
           </a:ln>
           <a:extLst>
             <a:ext uri="{C572A759-6A51-4108-AA02-DFA0A04FC94B}">
-              <ma14:wrappingTextBoxFlag xmlns:ma14="http://schemas.microsoft.com/office/mac/drawingml/2011/main" xmlns="" val="1"/>
+              <ma14:wrappingTextBoxFlag xmlns="" xmlns:ma14="http://schemas.microsoft.com/office/mac/drawingml/2011/main" val="1"/>
             </a:ext>
           </a:extLst>
         </p:spPr>
@@ -16284,7 +16507,7 @@
           </a:ln>
           <a:extLst>
             <a:ext uri="{C572A759-6A51-4108-AA02-DFA0A04FC94B}">
-              <ma14:wrappingTextBoxFlag xmlns:ma14="http://schemas.microsoft.com/office/mac/drawingml/2011/main" xmlns="" val="1"/>
+              <ma14:wrappingTextBoxFlag xmlns="" xmlns:ma14="http://schemas.microsoft.com/office/mac/drawingml/2011/main" val="1"/>
             </a:ext>
           </a:extLst>
         </p:spPr>
@@ -16448,11 +16671,7 @@
           <a:p>
             <a:r>
               <a:rPr lang="pt-BR" dirty="0" smtClean="0"/>
-              <a:t>Ordena os nós do DAG de maneira que os nós pais vêm antes de todos os seus nós descendentes</a:t>
-            </a:r>
-            <a:r>
-              <a:rPr lang="pt-BR" dirty="0" smtClean="0"/>
-              <a:t>.</a:t>
+              <a:t>Ordena os nós do DAG de maneira que os nós pais vêm antes de todos os seus nós descendentes.</a:t>
             </a:r>
           </a:p>
           <a:p>
